--- a/assets uarm/2019 sol-penscri-justfilpol/contextoGriegoProsArist kai manners.pptx
+++ b/assets uarm/2019 sol-penscri-justfilpol/contextoGriegoProsArist kai manners.pptx
@@ -24,6 +24,7 @@
     <p:sldId id="273" r:id="rId18"/>
     <p:sldId id="274" r:id="rId19"/>
     <p:sldId id="271" r:id="rId20"/>
+    <p:sldId id="275" r:id="rId21"/>
   </p:sldIdLst>
   <p:sldSz cx="9144000" cy="6858000" type="screen4x3"/>
   <p:notesSz cx="6858000" cy="9144000"/>
@@ -322,7 +323,7 @@
           <a:p>
             <a:fld id="{876792A1-9E0B-4A10-A6AE-1F3B801F5E9A}" type="datetimeFigureOut">
               <a:rPr lang="es-PE" smtClean="0"/>
-              <a:t>26/08/2019</a:t>
+              <a:t>12/05/2020</a:t>
             </a:fld>
             <a:endParaRPr lang="es-PE"/>
           </a:p>
@@ -487,7 +488,7 @@
           <a:p>
             <a:fld id="{876792A1-9E0B-4A10-A6AE-1F3B801F5E9A}" type="datetimeFigureOut">
               <a:rPr lang="es-PE" smtClean="0"/>
-              <a:t>26/08/2019</a:t>
+              <a:t>12/05/2020</a:t>
             </a:fld>
             <a:endParaRPr lang="es-PE"/>
           </a:p>
@@ -662,7 +663,7 @@
           <a:p>
             <a:fld id="{876792A1-9E0B-4A10-A6AE-1F3B801F5E9A}" type="datetimeFigureOut">
               <a:rPr lang="es-PE" smtClean="0"/>
-              <a:t>26/08/2019</a:t>
+              <a:t>12/05/2020</a:t>
             </a:fld>
             <a:endParaRPr lang="es-PE"/>
           </a:p>
@@ -827,7 +828,7 @@
           <a:p>
             <a:fld id="{876792A1-9E0B-4A10-A6AE-1F3B801F5E9A}" type="datetimeFigureOut">
               <a:rPr lang="es-PE" smtClean="0"/>
-              <a:t>26/08/2019</a:t>
+              <a:t>12/05/2020</a:t>
             </a:fld>
             <a:endParaRPr lang="es-PE"/>
           </a:p>
@@ -1068,7 +1069,7 @@
           <a:p>
             <a:fld id="{876792A1-9E0B-4A10-A6AE-1F3B801F5E9A}" type="datetimeFigureOut">
               <a:rPr lang="es-PE" smtClean="0"/>
-              <a:t>26/08/2019</a:t>
+              <a:t>12/05/2020</a:t>
             </a:fld>
             <a:endParaRPr lang="es-PE"/>
           </a:p>
@@ -1351,7 +1352,7 @@
           <a:p>
             <a:fld id="{876792A1-9E0B-4A10-A6AE-1F3B801F5E9A}" type="datetimeFigureOut">
               <a:rPr lang="es-PE" smtClean="0"/>
-              <a:t>26/08/2019</a:t>
+              <a:t>12/05/2020</a:t>
             </a:fld>
             <a:endParaRPr lang="es-PE"/>
           </a:p>
@@ -1768,7 +1769,7 @@
           <a:p>
             <a:fld id="{876792A1-9E0B-4A10-A6AE-1F3B801F5E9A}" type="datetimeFigureOut">
               <a:rPr lang="es-PE" smtClean="0"/>
-              <a:t>26/08/2019</a:t>
+              <a:t>12/05/2020</a:t>
             </a:fld>
             <a:endParaRPr lang="es-PE"/>
           </a:p>
@@ -1881,7 +1882,7 @@
           <a:p>
             <a:fld id="{876792A1-9E0B-4A10-A6AE-1F3B801F5E9A}" type="datetimeFigureOut">
               <a:rPr lang="es-PE" smtClean="0"/>
-              <a:t>26/08/2019</a:t>
+              <a:t>12/05/2020</a:t>
             </a:fld>
             <a:endParaRPr lang="es-PE"/>
           </a:p>
@@ -1971,7 +1972,7 @@
           <a:p>
             <a:fld id="{876792A1-9E0B-4A10-A6AE-1F3B801F5E9A}" type="datetimeFigureOut">
               <a:rPr lang="es-PE" smtClean="0"/>
-              <a:t>26/08/2019</a:t>
+              <a:t>12/05/2020</a:t>
             </a:fld>
             <a:endParaRPr lang="es-PE"/>
           </a:p>
@@ -2243,7 +2244,7 @@
           <a:p>
             <a:fld id="{876792A1-9E0B-4A10-A6AE-1F3B801F5E9A}" type="datetimeFigureOut">
               <a:rPr lang="es-PE" smtClean="0"/>
-              <a:t>26/08/2019</a:t>
+              <a:t>12/05/2020</a:t>
             </a:fld>
             <a:endParaRPr lang="es-PE"/>
           </a:p>
@@ -2491,7 +2492,7 @@
           <a:p>
             <a:fld id="{876792A1-9E0B-4A10-A6AE-1F3B801F5E9A}" type="datetimeFigureOut">
               <a:rPr lang="es-PE" smtClean="0"/>
-              <a:t>26/08/2019</a:t>
+              <a:t>12/05/2020</a:t>
             </a:fld>
             <a:endParaRPr lang="es-PE"/>
           </a:p>
@@ -2699,7 +2700,7 @@
           <a:p>
             <a:fld id="{876792A1-9E0B-4A10-A6AE-1F3B801F5E9A}" type="datetimeFigureOut">
               <a:rPr lang="es-PE" smtClean="0"/>
-              <a:t>26/08/2019</a:t>
+              <a:t>12/05/2020</a:t>
             </a:fld>
             <a:endParaRPr lang="es-PE"/>
           </a:p>
@@ -4230,7 +4231,6 @@
               <a:rPr lang="es-PE" dirty="0" smtClean="0"/>
               <a:t>¿Porqué consideramos algo educado o no? ¿Diógenes tenía modales? ¿Los caníbales son civilizados?</a:t>
             </a:r>
-            <a:endParaRPr lang="es-PE" dirty="0" smtClean="0"/>
           </a:p>
           <a:p>
             <a:pPr algn="just"/>
@@ -4238,7 +4238,6 @@
               <a:rPr lang="es-PE" dirty="0" smtClean="0"/>
               <a:t>El proceso civilizatorio supone, bajo los modales, un intento de autocontrol individual. Supone dominar la “bestia interna” que lo humano posee, para practicar a cambio el actuar apropiadamente y con amabilidad. </a:t>
             </a:r>
-            <a:endParaRPr lang="es-PE" dirty="0" smtClean="0"/>
           </a:p>
           <a:p>
             <a:pPr algn="just"/>
@@ -5611,6 +5610,113 @@
       </p:par>
     </p:tnLst>
   </p:timing>
+</p:sld>
+</file>
+
+<file path=ppt/slides/slide20.xml><?xml version="1.0" encoding="utf-8"?>
+<p:sld xmlns:a="http://schemas.openxmlformats.org/drawingml/2006/main" xmlns:r="http://schemas.openxmlformats.org/officeDocument/2006/relationships" xmlns:p="http://schemas.openxmlformats.org/presentationml/2006/main">
+  <p:cSld>
+    <p:spTree>
+      <p:nvGrpSpPr>
+        <p:cNvPr id="1" name=""/>
+        <p:cNvGrpSpPr/>
+        <p:nvPr/>
+      </p:nvGrpSpPr>
+      <p:grpSpPr>
+        <a:xfrm>
+          <a:off x="0" y="0"/>
+          <a:ext cx="0" cy="0"/>
+          <a:chOff x="0" y="0"/>
+          <a:chExt cx="0" cy="0"/>
+        </a:xfrm>
+      </p:grpSpPr>
+      <p:sp>
+        <p:nvSpPr>
+          <p:cNvPr id="2" name="Título 1"/>
+          <p:cNvSpPr>
+            <a:spLocks noGrp="1"/>
+          </p:cNvSpPr>
+          <p:nvPr>
+            <p:ph type="title"/>
+          </p:nvPr>
+        </p:nvSpPr>
+        <p:spPr/>
+        <p:txBody>
+          <a:bodyPr>
+            <a:normAutofit fontScale="90000"/>
+          </a:bodyPr>
+          <a:lstStyle/>
+          <a:p>
+            <a:r>
+              <a:rPr lang="es-PE" dirty="0" smtClean="0"/>
+              <a:t>Volvamos unos pasos: El contexto de Aristóteles</a:t>
+            </a:r>
+            <a:endParaRPr lang="es-PE" dirty="0"/>
+          </a:p>
+        </p:txBody>
+      </p:sp>
+      <p:sp>
+        <p:nvSpPr>
+          <p:cNvPr id="3" name="Marcador de contenido 2"/>
+          <p:cNvSpPr>
+            <a:spLocks noGrp="1"/>
+          </p:cNvSpPr>
+          <p:nvPr>
+            <p:ph idx="1"/>
+          </p:nvPr>
+        </p:nvSpPr>
+        <p:spPr>
+          <a:xfrm>
+            <a:off x="457200" y="2924944"/>
+            <a:ext cx="8229600" cy="3201219"/>
+          </a:xfrm>
+        </p:spPr>
+        <p:txBody>
+          <a:bodyPr>
+            <a:normAutofit lnSpcReduction="10000"/>
+          </a:bodyPr>
+          <a:lstStyle/>
+          <a:p>
+            <a:r>
+              <a:rPr lang="es-PE" dirty="0" smtClean="0"/>
+              <a:t>¿En qué consiste la ética de las virtudes?</a:t>
+            </a:r>
+          </a:p>
+          <a:p>
+            <a:r>
+              <a:rPr lang="es-PE" dirty="0" smtClean="0"/>
+              <a:t>¿Qué supone el tránsito del mito a la razón?</a:t>
+            </a:r>
+          </a:p>
+          <a:p>
+            <a:r>
+              <a:rPr lang="es-PE" dirty="0" smtClean="0"/>
+              <a:t>¿De qué modo esto influye en la ciencia moderna?</a:t>
+            </a:r>
+          </a:p>
+          <a:p>
+            <a:r>
+              <a:rPr lang="es-PE" dirty="0" smtClean="0"/>
+              <a:t>¿Qué concepto de Justicia, Honor y Excelencia moral existe en </a:t>
+            </a:r>
+            <a:r>
+              <a:rPr lang="es-PE" smtClean="0"/>
+              <a:t>este horizonte?</a:t>
+            </a:r>
+            <a:endParaRPr lang="es-PE" dirty="0"/>
+          </a:p>
+        </p:txBody>
+      </p:sp>
+    </p:spTree>
+    <p:extLst>
+      <p:ext uri="{BB962C8B-B14F-4D97-AF65-F5344CB8AC3E}">
+        <p14:creationId xmlns:p14="http://schemas.microsoft.com/office/powerpoint/2010/main" val="3071444634"/>
+      </p:ext>
+    </p:extLst>
+  </p:cSld>
+  <p:clrMapOvr>
+    <a:masterClrMapping/>
+  </p:clrMapOvr>
 </p:sld>
 </file>
 
